--- a/ppt/angular/Angular08-Directives.pptx
+++ b/ppt/angular/Angular08-Directives.pptx
@@ -5,10 +5,10 @@
     <p:sldMasterId id="2147483653" r:id="rId1"/>
   </p:sldMasterIdLst>
   <p:notesMasterIdLst>
-    <p:notesMasterId r:id="rId11"/>
+    <p:notesMasterId r:id="rId19"/>
   </p:notesMasterIdLst>
   <p:handoutMasterIdLst>
-    <p:handoutMasterId r:id="rId12"/>
+    <p:handoutMasterId r:id="rId20"/>
   </p:handoutMasterIdLst>
   <p:sldIdLst>
     <p:sldId id="264" r:id="rId2"/>
@@ -17,9 +17,17 @@
     <p:sldId id="267" r:id="rId5"/>
     <p:sldId id="268" r:id="rId6"/>
     <p:sldId id="269" r:id="rId7"/>
-    <p:sldId id="270" r:id="rId8"/>
-    <p:sldId id="271" r:id="rId9"/>
-    <p:sldId id="272" r:id="rId10"/>
+    <p:sldId id="274" r:id="rId8"/>
+    <p:sldId id="275" r:id="rId9"/>
+    <p:sldId id="276" r:id="rId10"/>
+    <p:sldId id="270" r:id="rId11"/>
+    <p:sldId id="271" r:id="rId12"/>
+    <p:sldId id="272" r:id="rId13"/>
+    <p:sldId id="273" r:id="rId14"/>
+    <p:sldId id="277" r:id="rId15"/>
+    <p:sldId id="278" r:id="rId16"/>
+    <p:sldId id="279" r:id="rId17"/>
+    <p:sldId id="280" r:id="rId18"/>
   </p:sldIdLst>
   <p:sldSz cx="9144000" cy="6858000" type="screen4x3"/>
   <p:notesSz cx="6648450" cy="9782175"/>
@@ -3947,6 +3955,1226 @@
 </p:sld>
 </file>
 
+<file path=ppt/slides/slide10.xml><?xml version="1.0" encoding="utf-8"?>
+<p:sld xmlns:a="http://schemas.openxmlformats.org/drawingml/2006/main" xmlns:r="http://schemas.openxmlformats.org/officeDocument/2006/relationships" xmlns:p="http://schemas.openxmlformats.org/presentationml/2006/main">
+  <p:cSld>
+    <p:spTree>
+      <p:nvGrpSpPr>
+        <p:cNvPr id="1" name=""/>
+        <p:cNvGrpSpPr/>
+        <p:nvPr/>
+      </p:nvGrpSpPr>
+      <p:grpSpPr>
+        <a:xfrm>
+          <a:off x="0" y="0"/>
+          <a:ext cx="0" cy="0"/>
+          <a:chOff x="0" y="0"/>
+          <a:chExt cx="0" cy="0"/>
+        </a:xfrm>
+      </p:grpSpPr>
+      <p:sp>
+        <p:nvSpPr>
+          <p:cNvPr id="2" name="Titre 1"/>
+          <p:cNvSpPr>
+            <a:spLocks noGrp="1"/>
+          </p:cNvSpPr>
+          <p:nvPr>
+            <p:ph type="title"/>
+          </p:nvPr>
+        </p:nvSpPr>
+        <p:spPr/>
+        <p:txBody>
+          <a:bodyPr/>
+          <a:lstStyle/>
+          <a:p>
+            <a:r>
+              <a:rPr lang="fr-FR" dirty="0" smtClean="0"/>
+              <a:t>Evènement click</a:t>
+            </a:r>
+            <a:endParaRPr lang="fr-FR" dirty="0"/>
+          </a:p>
+        </p:txBody>
+      </p:sp>
+      <p:sp>
+        <p:nvSpPr>
+          <p:cNvPr id="3" name="Espace réservé du contenu 2"/>
+          <p:cNvSpPr>
+            <a:spLocks noGrp="1"/>
+          </p:cNvSpPr>
+          <p:nvPr>
+            <p:ph idx="1"/>
+          </p:nvPr>
+        </p:nvSpPr>
+        <p:spPr/>
+        <p:txBody>
+          <a:bodyPr/>
+          <a:lstStyle/>
+          <a:p>
+            <a:r>
+              <a:rPr lang="fr-FR" dirty="0" smtClean="0"/>
+              <a:t>(click) est un évènement de directive</a:t>
+            </a:r>
+          </a:p>
+          <a:p>
+            <a:r>
+              <a:rPr lang="fr-FR" dirty="0" smtClean="0"/>
+              <a:t>Syntaxe</a:t>
+            </a:r>
+          </a:p>
+          <a:p>
+            <a:pPr marL="457200" lvl="1" indent="0">
+              <a:buNone/>
+            </a:pPr>
+            <a:r>
+              <a:rPr lang="fr-FR" dirty="0"/>
+              <a:t>&lt;li *</a:t>
+            </a:r>
+            <a:r>
+              <a:rPr lang="fr-FR" dirty="0" err="1"/>
+              <a:t>ngFor</a:t>
+            </a:r>
+            <a:r>
+              <a:rPr lang="fr-FR" dirty="0" smtClean="0"/>
+              <a:t>="condition" (click)="</a:t>
+            </a:r>
+            <a:r>
+              <a:rPr lang="fr-FR" dirty="0" err="1" smtClean="0"/>
+              <a:t>method</a:t>
+            </a:r>
+            <a:r>
+              <a:rPr lang="fr-FR" dirty="0" smtClean="0"/>
+              <a:t>"&gt;</a:t>
+            </a:r>
+          </a:p>
+          <a:p>
+            <a:pPr lvl="1"/>
+            <a:r>
+              <a:rPr lang="fr-FR" dirty="0" smtClean="0"/>
+              <a:t>() signifie one </a:t>
+            </a:r>
+            <a:r>
+              <a:rPr lang="fr-FR" dirty="0" err="1" smtClean="0"/>
+              <a:t>way</a:t>
+            </a:r>
+            <a:r>
+              <a:rPr lang="fr-FR" dirty="0" smtClean="0"/>
+              <a:t> to source</a:t>
+            </a:r>
+          </a:p>
+          <a:p>
+            <a:pPr lvl="1"/>
+            <a:r>
+              <a:rPr lang="fr-FR" dirty="0" smtClean="0"/>
+              <a:t>Utilisé pour les évènements</a:t>
+            </a:r>
+          </a:p>
+          <a:p>
+            <a:pPr lvl="1"/>
+            <a:r>
+              <a:rPr lang="fr-FR" dirty="0"/>
+              <a:t>c</a:t>
+            </a:r>
+            <a:r>
+              <a:rPr lang="fr-FR" dirty="0" smtClean="0"/>
+              <a:t>lick signifie </a:t>
+            </a:r>
+            <a:r>
+              <a:rPr lang="fr-FR" dirty="0" err="1" smtClean="0"/>
+              <a:t>onClick</a:t>
+            </a:r>
+            <a:endParaRPr lang="fr-FR" dirty="0" smtClean="0"/>
+          </a:p>
+          <a:p>
+            <a:pPr lvl="1"/>
+            <a:r>
+              <a:rPr lang="fr-FR" dirty="0" smtClean="0"/>
+              <a:t>(click) appel </a:t>
+            </a:r>
+            <a:r>
+              <a:rPr lang="fr-FR" dirty="0" err="1" smtClean="0"/>
+              <a:t>method</a:t>
+            </a:r>
+            <a:r>
+              <a:rPr lang="fr-FR" dirty="0"/>
+              <a:t> </a:t>
+            </a:r>
+            <a:r>
+              <a:rPr lang="fr-FR" dirty="0" smtClean="0"/>
+              <a:t>qui est une méthode du composant</a:t>
+            </a:r>
+          </a:p>
+          <a:p>
+            <a:pPr lvl="1"/>
+            <a:r>
+              <a:rPr lang="fr-FR" dirty="0" smtClean="0"/>
+              <a:t>Un passage de paramètre est possible</a:t>
+            </a:r>
+          </a:p>
+          <a:p>
+            <a:pPr marL="457200" lvl="1" indent="0">
+              <a:buNone/>
+            </a:pPr>
+            <a:endParaRPr lang="fr-FR" dirty="0"/>
+          </a:p>
+        </p:txBody>
+      </p:sp>
+    </p:spTree>
+    <p:extLst>
+      <p:ext uri="{BB962C8B-B14F-4D97-AF65-F5344CB8AC3E}">
+        <p14:creationId xmlns:p14="http://schemas.microsoft.com/office/powerpoint/2010/main" val="1501919375"/>
+      </p:ext>
+    </p:extLst>
+  </p:cSld>
+  <p:clrMapOvr>
+    <a:masterClrMapping/>
+  </p:clrMapOvr>
+  <p:timing>
+    <p:tnLst>
+      <p:par>
+        <p:cTn id="1" dur="indefinite" restart="never" nodeType="tmRoot"/>
+      </p:par>
+    </p:tnLst>
+  </p:timing>
+</p:sld>
+</file>
+
+<file path=ppt/slides/slide11.xml><?xml version="1.0" encoding="utf-8"?>
+<p:sld xmlns:a="http://schemas.openxmlformats.org/drawingml/2006/main" xmlns:r="http://schemas.openxmlformats.org/officeDocument/2006/relationships" xmlns:p="http://schemas.openxmlformats.org/presentationml/2006/main">
+  <p:cSld>
+    <p:spTree>
+      <p:nvGrpSpPr>
+        <p:cNvPr id="1" name=""/>
+        <p:cNvGrpSpPr/>
+        <p:nvPr/>
+      </p:nvGrpSpPr>
+      <p:grpSpPr>
+        <a:xfrm>
+          <a:off x="0" y="0"/>
+          <a:ext cx="0" cy="0"/>
+          <a:chOff x="0" y="0"/>
+          <a:chExt cx="0" cy="0"/>
+        </a:xfrm>
+      </p:grpSpPr>
+      <p:sp>
+        <p:nvSpPr>
+          <p:cNvPr id="2" name="Titre 1"/>
+          <p:cNvSpPr>
+            <a:spLocks noGrp="1"/>
+          </p:cNvSpPr>
+          <p:nvPr>
+            <p:ph type="title"/>
+          </p:nvPr>
+        </p:nvSpPr>
+        <p:spPr/>
+        <p:txBody>
+          <a:bodyPr/>
+          <a:lstStyle/>
+          <a:p>
+            <a:r>
+              <a:rPr lang="fr-FR" dirty="0" smtClean="0"/>
+              <a:t>Ajout d’une méthode dans le composant</a:t>
+            </a:r>
+            <a:endParaRPr lang="fr-FR" dirty="0"/>
+          </a:p>
+        </p:txBody>
+      </p:sp>
+      <p:sp>
+        <p:nvSpPr>
+          <p:cNvPr id="3" name="Espace réservé du contenu 2"/>
+          <p:cNvSpPr>
+            <a:spLocks noGrp="1"/>
+          </p:cNvSpPr>
+          <p:nvPr>
+            <p:ph idx="1"/>
+          </p:nvPr>
+        </p:nvSpPr>
+        <p:spPr/>
+        <p:txBody>
+          <a:bodyPr/>
+          <a:lstStyle/>
+          <a:p>
+            <a:r>
+              <a:rPr lang="fr-FR" dirty="0" smtClean="0"/>
+              <a:t>Les composants peuvent recevoir des méthodes qui seront vu par le HTML</a:t>
+            </a:r>
+          </a:p>
+          <a:p>
+            <a:endParaRPr lang="fr-FR" dirty="0"/>
+          </a:p>
+          <a:p>
+            <a:endParaRPr lang="fr-FR" dirty="0" smtClean="0"/>
+          </a:p>
+          <a:p>
+            <a:endParaRPr lang="fr-FR" dirty="0"/>
+          </a:p>
+          <a:p>
+            <a:r>
+              <a:rPr lang="fr-FR" dirty="0" smtClean="0"/>
+              <a:t>Appel de la méthode</a:t>
+            </a:r>
+          </a:p>
+          <a:p>
+            <a:pPr marL="400050" lvl="1" indent="0">
+              <a:buNone/>
+            </a:pPr>
+            <a:r>
+              <a:rPr lang="en-US" dirty="0"/>
+              <a:t>&lt;li *</a:t>
+            </a:r>
+            <a:r>
+              <a:rPr lang="en-US" dirty="0" err="1"/>
+              <a:t>ngFor</a:t>
+            </a:r>
+            <a:r>
+              <a:rPr lang="en-US" dirty="0"/>
+              <a:t>="let hero of heroes"</a:t>
+            </a:r>
+          </a:p>
+          <a:p>
+            <a:pPr marL="400050" lvl="1" indent="0">
+              <a:buNone/>
+            </a:pPr>
+            <a:r>
+              <a:rPr lang="en-US" dirty="0" smtClean="0"/>
+              <a:t>  </a:t>
+            </a:r>
+            <a:r>
+              <a:rPr lang="en-US" dirty="0"/>
+              <a:t>(click)="</a:t>
+            </a:r>
+            <a:r>
+              <a:rPr lang="en-US" dirty="0" err="1"/>
+              <a:t>onSelect</a:t>
+            </a:r>
+            <a:r>
+              <a:rPr lang="en-US" dirty="0"/>
+              <a:t>(hero)"&gt;</a:t>
+            </a:r>
+            <a:endParaRPr lang="fr-FR" dirty="0" smtClean="0"/>
+          </a:p>
+          <a:p>
+            <a:endParaRPr lang="fr-FR" dirty="0"/>
+          </a:p>
+        </p:txBody>
+      </p:sp>
+      <p:pic>
+        <p:nvPicPr>
+          <p:cNvPr id="4" name="Image 3"/>
+          <p:cNvPicPr>
+            <a:picLocks noChangeAspect="1"/>
+          </p:cNvPicPr>
+          <p:nvPr/>
+        </p:nvPicPr>
+        <p:blipFill>
+          <a:blip r:embed="rId2"/>
+          <a:stretch>
+            <a:fillRect/>
+          </a:stretch>
+        </p:blipFill>
+        <p:spPr>
+          <a:xfrm>
+            <a:off x="2483768" y="2420888"/>
+            <a:ext cx="3472089" cy="1086792"/>
+          </a:xfrm>
+          <a:prstGeom prst="rect">
+            <a:avLst/>
+          </a:prstGeom>
+        </p:spPr>
+      </p:pic>
+    </p:spTree>
+    <p:extLst>
+      <p:ext uri="{BB962C8B-B14F-4D97-AF65-F5344CB8AC3E}">
+        <p14:creationId xmlns:p14="http://schemas.microsoft.com/office/powerpoint/2010/main" val="3081998660"/>
+      </p:ext>
+    </p:extLst>
+  </p:cSld>
+  <p:clrMapOvr>
+    <a:masterClrMapping/>
+  </p:clrMapOvr>
+  <p:timing>
+    <p:tnLst>
+      <p:par>
+        <p:cTn id="1" dur="indefinite" restart="never" nodeType="tmRoot"/>
+      </p:par>
+    </p:tnLst>
+  </p:timing>
+</p:sld>
+</file>
+
+<file path=ppt/slides/slide12.xml><?xml version="1.0" encoding="utf-8"?>
+<p:sld xmlns:a="http://schemas.openxmlformats.org/drawingml/2006/main" xmlns:r="http://schemas.openxmlformats.org/officeDocument/2006/relationships" xmlns:p="http://schemas.openxmlformats.org/presentationml/2006/main">
+  <p:cSld>
+    <p:spTree>
+      <p:nvGrpSpPr>
+        <p:cNvPr id="1" name=""/>
+        <p:cNvGrpSpPr/>
+        <p:nvPr/>
+      </p:nvGrpSpPr>
+      <p:grpSpPr>
+        <a:xfrm>
+          <a:off x="0" y="0"/>
+          <a:ext cx="0" cy="0"/>
+          <a:chOff x="0" y="0"/>
+          <a:chExt cx="0" cy="0"/>
+        </a:xfrm>
+      </p:grpSpPr>
+      <p:sp>
+        <p:nvSpPr>
+          <p:cNvPr id="2" name="Titre 1"/>
+          <p:cNvSpPr>
+            <a:spLocks noGrp="1"/>
+          </p:cNvSpPr>
+          <p:nvPr>
+            <p:ph type="title"/>
+          </p:nvPr>
+        </p:nvSpPr>
+        <p:spPr/>
+        <p:txBody>
+          <a:bodyPr/>
+          <a:lstStyle/>
+          <a:p>
+            <a:r>
+              <a:rPr lang="fr-FR" dirty="0" smtClean="0"/>
+              <a:t>CSS</a:t>
+            </a:r>
+            <a:endParaRPr lang="fr-FR" dirty="0"/>
+          </a:p>
+        </p:txBody>
+      </p:sp>
+      <p:sp>
+        <p:nvSpPr>
+          <p:cNvPr id="3" name="Espace réservé du contenu 2"/>
+          <p:cNvSpPr>
+            <a:spLocks noGrp="1"/>
+          </p:cNvSpPr>
+          <p:nvPr>
+            <p:ph idx="1"/>
+          </p:nvPr>
+        </p:nvSpPr>
+        <p:spPr/>
+        <p:txBody>
+          <a:bodyPr/>
+          <a:lstStyle/>
+          <a:p>
+            <a:r>
+              <a:rPr lang="fr-FR" dirty="0" smtClean="0"/>
+              <a:t>Gestion des sélection</a:t>
+            </a:r>
+          </a:p>
+          <a:p>
+            <a:pPr lvl="1"/>
+            <a:r>
+              <a:rPr lang="fr-FR" dirty="0" smtClean="0"/>
+              <a:t>Il suffit de gérer la classe .</a:t>
+            </a:r>
+            <a:r>
+              <a:rPr lang="fr-FR" dirty="0" err="1" smtClean="0"/>
+              <a:t>selected</a:t>
+            </a:r>
+            <a:endParaRPr lang="fr-FR" dirty="0" smtClean="0"/>
+          </a:p>
+          <a:p>
+            <a:pPr lvl="1"/>
+            <a:r>
+              <a:rPr lang="fr-FR" dirty="0" smtClean="0"/>
+              <a:t>Il faut alors ajouter dans le code le </a:t>
+            </a:r>
+            <a:r>
+              <a:rPr lang="fr-FR" dirty="0" err="1" smtClean="0"/>
+              <a:t>chagement</a:t>
+            </a:r>
+            <a:r>
+              <a:rPr lang="fr-FR" dirty="0" smtClean="0"/>
+              <a:t> de classe CSS</a:t>
+            </a:r>
+          </a:p>
+          <a:p>
+            <a:pPr lvl="1"/>
+            <a:r>
+              <a:rPr lang="fr-FR" dirty="0" smtClean="0"/>
+              <a:t>Les [ ] sont de paramètres </a:t>
+            </a:r>
+            <a:r>
+              <a:rPr lang="fr-FR" smtClean="0"/>
+              <a:t>de composants </a:t>
+            </a:r>
+            <a:endParaRPr lang="fr-FR" dirty="0" smtClean="0"/>
+          </a:p>
+          <a:p>
+            <a:r>
+              <a:rPr lang="fr-FR" dirty="0" smtClean="0"/>
+              <a:t>Exemple</a:t>
+            </a:r>
+          </a:p>
+          <a:p>
+            <a:pPr marL="457200" lvl="1" indent="0">
+              <a:buNone/>
+            </a:pPr>
+            <a:r>
+              <a:rPr lang="en-US" dirty="0"/>
+              <a:t>&lt;li *</a:t>
+            </a:r>
+            <a:r>
+              <a:rPr lang="en-US" dirty="0" err="1"/>
+              <a:t>ngFor</a:t>
+            </a:r>
+            <a:r>
+              <a:rPr lang="en-US" dirty="0"/>
+              <a:t>="let hero of heroes"</a:t>
+            </a:r>
+          </a:p>
+          <a:p>
+            <a:pPr marL="457200" lvl="1" indent="0">
+              <a:buNone/>
+            </a:pPr>
+            <a:r>
+              <a:rPr lang="en-US" dirty="0"/>
+              <a:t>  [</a:t>
+            </a:r>
+            <a:r>
+              <a:rPr lang="en-US" dirty="0" err="1"/>
+              <a:t>class.selected</a:t>
+            </a:r>
+            <a:r>
+              <a:rPr lang="en-US" dirty="0"/>
+              <a:t>]="hero === </a:t>
+            </a:r>
+            <a:r>
+              <a:rPr lang="en-US" dirty="0" err="1"/>
+              <a:t>selectedHero</a:t>
+            </a:r>
+            <a:r>
+              <a:rPr lang="en-US" dirty="0"/>
+              <a:t>"</a:t>
+            </a:r>
+          </a:p>
+          <a:p>
+            <a:pPr marL="457200" lvl="1" indent="0">
+              <a:buNone/>
+            </a:pPr>
+            <a:r>
+              <a:rPr lang="en-US" dirty="0"/>
+              <a:t>  (click)="</a:t>
+            </a:r>
+            <a:r>
+              <a:rPr lang="en-US" dirty="0" err="1"/>
+              <a:t>onSelect</a:t>
+            </a:r>
+            <a:r>
+              <a:rPr lang="en-US" dirty="0"/>
+              <a:t>(hero)"&gt;</a:t>
+            </a:r>
+            <a:endParaRPr lang="fr-FR" dirty="0"/>
+          </a:p>
+        </p:txBody>
+      </p:sp>
+    </p:spTree>
+    <p:extLst>
+      <p:ext uri="{BB962C8B-B14F-4D97-AF65-F5344CB8AC3E}">
+        <p14:creationId xmlns:p14="http://schemas.microsoft.com/office/powerpoint/2010/main" val="3815208624"/>
+      </p:ext>
+    </p:extLst>
+  </p:cSld>
+  <p:clrMapOvr>
+    <a:masterClrMapping/>
+  </p:clrMapOvr>
+  <p:timing>
+    <p:tnLst>
+      <p:par>
+        <p:cTn id="1" dur="indefinite" restart="never" nodeType="tmRoot"/>
+      </p:par>
+    </p:tnLst>
+  </p:timing>
+</p:sld>
+</file>
+
+<file path=ppt/slides/slide13.xml><?xml version="1.0" encoding="utf-8"?>
+<p:sld xmlns:a="http://schemas.openxmlformats.org/drawingml/2006/main" xmlns:r="http://schemas.openxmlformats.org/officeDocument/2006/relationships" xmlns:p="http://schemas.openxmlformats.org/presentationml/2006/main">
+  <p:cSld>
+    <p:spTree>
+      <p:nvGrpSpPr>
+        <p:cNvPr id="1" name=""/>
+        <p:cNvGrpSpPr/>
+        <p:nvPr/>
+      </p:nvGrpSpPr>
+      <p:grpSpPr>
+        <a:xfrm>
+          <a:off x="0" y="0"/>
+          <a:ext cx="0" cy="0"/>
+          <a:chOff x="0" y="0"/>
+          <a:chExt cx="0" cy="0"/>
+        </a:xfrm>
+      </p:grpSpPr>
+      <p:sp>
+        <p:nvSpPr>
+          <p:cNvPr id="2" name="Titre 1"/>
+          <p:cNvSpPr>
+            <a:spLocks noGrp="1"/>
+          </p:cNvSpPr>
+          <p:nvPr>
+            <p:ph type="title"/>
+          </p:nvPr>
+        </p:nvSpPr>
+        <p:spPr/>
+        <p:txBody>
+          <a:bodyPr/>
+          <a:lstStyle/>
+          <a:p>
+            <a:r>
+              <a:rPr lang="fr-FR" dirty="0" smtClean="0"/>
+              <a:t>Formulaires</a:t>
+            </a:r>
+            <a:endParaRPr lang="fr-FR" dirty="0"/>
+          </a:p>
+        </p:txBody>
+      </p:sp>
+      <p:sp>
+        <p:nvSpPr>
+          <p:cNvPr id="3" name="Espace réservé du contenu 2"/>
+          <p:cNvSpPr>
+            <a:spLocks noGrp="1"/>
+          </p:cNvSpPr>
+          <p:nvPr>
+            <p:ph idx="1"/>
+          </p:nvPr>
+        </p:nvSpPr>
+        <p:spPr/>
+        <p:txBody>
+          <a:bodyPr/>
+          <a:lstStyle/>
+          <a:p>
+            <a:r>
+              <a:rPr lang="fr-FR" dirty="0" smtClean="0"/>
+              <a:t>Les formulaires possèdent la directive </a:t>
+            </a:r>
+            <a:r>
+              <a:rPr lang="fr-FR" dirty="0" err="1" smtClean="0"/>
+              <a:t>ngSubmit</a:t>
+            </a:r>
+            <a:endParaRPr lang="fr-FR" dirty="0" smtClean="0"/>
+          </a:p>
+          <a:p>
+            <a:pPr marL="457200" lvl="1" indent="0">
+              <a:buNone/>
+            </a:pPr>
+            <a:r>
+              <a:rPr lang="fr-FR" dirty="0" smtClean="0"/>
+              <a:t>&lt;</a:t>
+            </a:r>
+            <a:r>
+              <a:rPr lang="fr-FR" dirty="0" err="1"/>
+              <a:t>form</a:t>
+            </a:r>
+            <a:r>
+              <a:rPr lang="fr-FR" dirty="0"/>
+              <a:t> #</a:t>
+            </a:r>
+            <a:r>
+              <a:rPr lang="fr-FR" dirty="0" err="1"/>
+              <a:t>heroForm</a:t>
+            </a:r>
+            <a:r>
+              <a:rPr lang="fr-FR" dirty="0"/>
+              <a:t> (</a:t>
+            </a:r>
+            <a:r>
+              <a:rPr lang="fr-FR" dirty="0" err="1"/>
+              <a:t>ngSubmit</a:t>
+            </a:r>
+            <a:r>
+              <a:rPr lang="fr-FR" dirty="0"/>
+              <a:t>)="</a:t>
+            </a:r>
+            <a:r>
+              <a:rPr lang="fr-FR" dirty="0" err="1"/>
+              <a:t>onSubmit</a:t>
+            </a:r>
+            <a:r>
+              <a:rPr lang="fr-FR" dirty="0"/>
+              <a:t>(</a:t>
+            </a:r>
+            <a:r>
+              <a:rPr lang="fr-FR" dirty="0" err="1"/>
+              <a:t>heroForm</a:t>
+            </a:r>
+            <a:r>
+              <a:rPr lang="fr-FR" dirty="0"/>
+              <a:t>)"&gt; ... &lt;/</a:t>
+            </a:r>
+            <a:r>
+              <a:rPr lang="fr-FR" dirty="0" err="1"/>
+              <a:t>form</a:t>
+            </a:r>
+            <a:r>
+              <a:rPr lang="fr-FR" dirty="0" smtClean="0"/>
+              <a:t>&gt;</a:t>
+            </a:r>
+          </a:p>
+          <a:p>
+            <a:r>
+              <a:rPr lang="fr-FR" dirty="0" smtClean="0"/>
+              <a:t>Utilisation de </a:t>
+            </a:r>
+            <a:r>
+              <a:rPr lang="fr-FR" dirty="0" err="1" smtClean="0"/>
+              <a:t>ngModel</a:t>
+            </a:r>
+            <a:endParaRPr lang="fr-FR" dirty="0" smtClean="0"/>
+          </a:p>
+          <a:p>
+            <a:pPr lvl="1"/>
+            <a:r>
+              <a:rPr lang="fr-FR" dirty="0" smtClean="0"/>
+              <a:t>[(</a:t>
+            </a:r>
+            <a:r>
+              <a:rPr lang="fr-FR" dirty="0" err="1" smtClean="0"/>
+              <a:t>ngModel</a:t>
+            </a:r>
+            <a:r>
+              <a:rPr lang="fr-FR" dirty="0" smtClean="0"/>
+              <a:t>)]</a:t>
+            </a:r>
+          </a:p>
+          <a:p>
+            <a:r>
+              <a:rPr lang="fr-FR" dirty="0" smtClean="0"/>
+              <a:t>Il existe 2 autres directives </a:t>
+            </a:r>
+            <a:r>
+              <a:rPr lang="fr-FR" dirty="0" err="1" smtClean="0"/>
+              <a:t>two-way</a:t>
+            </a:r>
+            <a:r>
+              <a:rPr lang="fr-FR" dirty="0" smtClean="0"/>
+              <a:t> data binding</a:t>
+            </a:r>
+          </a:p>
+          <a:p>
+            <a:pPr lvl="1"/>
+            <a:r>
+              <a:rPr lang="fr-FR" dirty="0" err="1" smtClean="0"/>
+              <a:t>ngClass</a:t>
+            </a:r>
+            <a:endParaRPr lang="fr-FR" dirty="0" smtClean="0"/>
+          </a:p>
+          <a:p>
+            <a:pPr lvl="1"/>
+            <a:r>
+              <a:rPr lang="fr-FR" dirty="0" err="1" smtClean="0"/>
+              <a:t>ngStyle</a:t>
+            </a:r>
+            <a:endParaRPr lang="fr-FR" dirty="0" smtClean="0"/>
+          </a:p>
+          <a:p>
+            <a:pPr lvl="1"/>
+            <a:r>
+              <a:rPr lang="en-US" dirty="0"/>
+              <a:t>&lt;div [</a:t>
+            </a:r>
+            <a:r>
+              <a:rPr lang="en-US" dirty="0" err="1"/>
+              <a:t>ngClass</a:t>
+            </a:r>
+            <a:r>
+              <a:rPr lang="en-US" dirty="0"/>
+              <a:t>]="</a:t>
+            </a:r>
+            <a:r>
+              <a:rPr lang="en-US" dirty="0" err="1"/>
+              <a:t>currentClasses</a:t>
+            </a:r>
+            <a:r>
+              <a:rPr lang="en-US" dirty="0"/>
+              <a:t>"&gt;This div is initially </a:t>
+            </a:r>
+            <a:r>
+              <a:rPr lang="en-US" dirty="0" err="1"/>
+              <a:t>saveable</a:t>
+            </a:r>
+            <a:r>
+              <a:rPr lang="en-US" dirty="0"/>
+              <a:t>, unchanged, and special&lt;/div&gt;</a:t>
+            </a:r>
+            <a:endParaRPr lang="fr-FR" dirty="0"/>
+          </a:p>
+        </p:txBody>
+      </p:sp>
+    </p:spTree>
+    <p:extLst>
+      <p:ext uri="{BB962C8B-B14F-4D97-AF65-F5344CB8AC3E}">
+        <p14:creationId xmlns:p14="http://schemas.microsoft.com/office/powerpoint/2010/main" val="2930495281"/>
+      </p:ext>
+    </p:extLst>
+  </p:cSld>
+  <p:clrMapOvr>
+    <a:masterClrMapping/>
+  </p:clrMapOvr>
+</p:sld>
+</file>
+
+<file path=ppt/slides/slide14.xml><?xml version="1.0" encoding="utf-8"?>
+<p:sld xmlns:a="http://schemas.openxmlformats.org/drawingml/2006/main" xmlns:r="http://schemas.openxmlformats.org/officeDocument/2006/relationships" xmlns:p="http://schemas.openxmlformats.org/presentationml/2006/main">
+  <p:cSld>
+    <p:spTree>
+      <p:nvGrpSpPr>
+        <p:cNvPr id="1" name=""/>
+        <p:cNvGrpSpPr/>
+        <p:nvPr/>
+      </p:nvGrpSpPr>
+      <p:grpSpPr>
+        <a:xfrm>
+          <a:off x="0" y="0"/>
+          <a:ext cx="0" cy="0"/>
+          <a:chOff x="0" y="0"/>
+          <a:chExt cx="0" cy="0"/>
+        </a:xfrm>
+      </p:grpSpPr>
+      <p:sp>
+        <p:nvSpPr>
+          <p:cNvPr id="2" name="Titre 1"/>
+          <p:cNvSpPr>
+            <a:spLocks noGrp="1"/>
+          </p:cNvSpPr>
+          <p:nvPr>
+            <p:ph type="title"/>
+          </p:nvPr>
+        </p:nvSpPr>
+        <p:spPr/>
+        <p:txBody>
+          <a:bodyPr/>
+          <a:lstStyle/>
+          <a:p>
+            <a:r>
+              <a:rPr lang="fr-FR" dirty="0" smtClean="0"/>
+              <a:t>Création de directive</a:t>
+            </a:r>
+            <a:endParaRPr lang="fr-FR" dirty="0"/>
+          </a:p>
+        </p:txBody>
+      </p:sp>
+      <p:sp>
+        <p:nvSpPr>
+          <p:cNvPr id="3" name="Espace réservé du contenu 2"/>
+          <p:cNvSpPr>
+            <a:spLocks noGrp="1"/>
+          </p:cNvSpPr>
+          <p:nvPr>
+            <p:ph idx="1"/>
+          </p:nvPr>
+        </p:nvSpPr>
+        <p:spPr/>
+        <p:txBody>
+          <a:bodyPr/>
+          <a:lstStyle/>
+          <a:p>
+            <a:r>
+              <a:rPr lang="fr-FR" dirty="0" smtClean="0"/>
+              <a:t>Il est possible de créer soit même une directive</a:t>
+            </a:r>
+          </a:p>
+          <a:p>
+            <a:r>
+              <a:rPr lang="fr-FR" dirty="0" smtClean="0"/>
+              <a:t>Il existe 3 sortes de directives</a:t>
+            </a:r>
+          </a:p>
+          <a:p>
+            <a:pPr lvl="1"/>
+            <a:r>
+              <a:rPr lang="fr-FR" dirty="0" smtClean="0"/>
+              <a:t>Les composants qui sont des directives avec </a:t>
+            </a:r>
+            <a:r>
+              <a:rPr lang="fr-FR" dirty="0" err="1" smtClean="0"/>
+              <a:t>template</a:t>
+            </a:r>
+            <a:r>
+              <a:rPr lang="fr-FR" dirty="0" smtClean="0"/>
+              <a:t> HTML</a:t>
+            </a:r>
+          </a:p>
+          <a:p>
+            <a:pPr lvl="2"/>
+            <a:r>
+              <a:rPr lang="fr-FR" dirty="0" smtClean="0"/>
+              <a:t>Voir chapitre suivant</a:t>
+            </a:r>
+          </a:p>
+          <a:p>
+            <a:pPr lvl="1"/>
+            <a:r>
+              <a:rPr lang="fr-FR" dirty="0" smtClean="0"/>
+              <a:t>Les directives structurelles qui modifient le DOM</a:t>
+            </a:r>
+          </a:p>
+          <a:p>
+            <a:pPr lvl="1"/>
+            <a:r>
+              <a:rPr lang="fr-FR" dirty="0" smtClean="0"/>
+              <a:t>Les directives d'attribut qui apportent une modification à l'élément hôte</a:t>
+            </a:r>
+            <a:endParaRPr lang="fr-FR" dirty="0"/>
+          </a:p>
+        </p:txBody>
+      </p:sp>
+    </p:spTree>
+    <p:extLst>
+      <p:ext uri="{BB962C8B-B14F-4D97-AF65-F5344CB8AC3E}">
+        <p14:creationId xmlns:p14="http://schemas.microsoft.com/office/powerpoint/2010/main" val="352958607"/>
+      </p:ext>
+    </p:extLst>
+  </p:cSld>
+  <p:clrMapOvr>
+    <a:masterClrMapping/>
+  </p:clrMapOvr>
+</p:sld>
+</file>
+
+<file path=ppt/slides/slide15.xml><?xml version="1.0" encoding="utf-8"?>
+<p:sld xmlns:a="http://schemas.openxmlformats.org/drawingml/2006/main" xmlns:r="http://schemas.openxmlformats.org/officeDocument/2006/relationships" xmlns:p="http://schemas.openxmlformats.org/presentationml/2006/main">
+  <p:cSld>
+    <p:spTree>
+      <p:nvGrpSpPr>
+        <p:cNvPr id="1" name=""/>
+        <p:cNvGrpSpPr/>
+        <p:nvPr/>
+      </p:nvGrpSpPr>
+      <p:grpSpPr>
+        <a:xfrm>
+          <a:off x="0" y="0"/>
+          <a:ext cx="0" cy="0"/>
+          <a:chOff x="0" y="0"/>
+          <a:chExt cx="0" cy="0"/>
+        </a:xfrm>
+      </p:grpSpPr>
+      <p:sp>
+        <p:nvSpPr>
+          <p:cNvPr id="2" name="Titre 1"/>
+          <p:cNvSpPr>
+            <a:spLocks noGrp="1"/>
+          </p:cNvSpPr>
+          <p:nvPr>
+            <p:ph type="title"/>
+          </p:nvPr>
+        </p:nvSpPr>
+        <p:spPr/>
+        <p:txBody>
+          <a:bodyPr/>
+          <a:lstStyle/>
+          <a:p>
+            <a:r>
+              <a:rPr lang="fr-FR" dirty="0" smtClean="0"/>
+              <a:t>Création d'une directive attribut</a:t>
+            </a:r>
+            <a:endParaRPr lang="fr-FR" dirty="0"/>
+          </a:p>
+        </p:txBody>
+      </p:sp>
+      <p:sp>
+        <p:nvSpPr>
+          <p:cNvPr id="3" name="Espace réservé du contenu 2"/>
+          <p:cNvSpPr>
+            <a:spLocks noGrp="1"/>
+          </p:cNvSpPr>
+          <p:nvPr>
+            <p:ph idx="1"/>
+          </p:nvPr>
+        </p:nvSpPr>
+        <p:spPr/>
+        <p:txBody>
+          <a:bodyPr/>
+          <a:lstStyle/>
+          <a:p>
+            <a:r>
+              <a:rPr lang="fr-FR" dirty="0" smtClean="0"/>
+              <a:t>Afin d'effectuer le code suivant</a:t>
+            </a:r>
+          </a:p>
+          <a:p>
+            <a:pPr lvl="1"/>
+            <a:r>
+              <a:rPr lang="fr-FR" dirty="0"/>
+              <a:t>&lt;p </a:t>
+            </a:r>
+            <a:r>
+              <a:rPr lang="fr-FR" dirty="0" err="1"/>
+              <a:t>appHighlight</a:t>
+            </a:r>
+            <a:r>
+              <a:rPr lang="fr-FR" dirty="0"/>
+              <a:t>&gt;</a:t>
+            </a:r>
+            <a:r>
+              <a:rPr lang="fr-FR" dirty="0" err="1"/>
+              <a:t>Highlight</a:t>
+            </a:r>
+            <a:r>
+              <a:rPr lang="fr-FR" dirty="0"/>
+              <a:t> me!&lt;/p</a:t>
+            </a:r>
+            <a:r>
+              <a:rPr lang="fr-FR" dirty="0" smtClean="0"/>
+              <a:t>&gt;</a:t>
+            </a:r>
+          </a:p>
+          <a:p>
+            <a:pPr lvl="1"/>
+            <a:r>
+              <a:rPr lang="fr-FR" dirty="0" smtClean="0"/>
+              <a:t>Il faut générer la directive</a:t>
+            </a:r>
+          </a:p>
+          <a:p>
+            <a:pPr lvl="1"/>
+            <a:r>
+              <a:rPr lang="fr-FR" dirty="0" err="1"/>
+              <a:t>ng</a:t>
+            </a:r>
+            <a:r>
+              <a:rPr lang="fr-FR" dirty="0"/>
+              <a:t> </a:t>
+            </a:r>
+            <a:r>
+              <a:rPr lang="fr-FR" dirty="0" err="1"/>
+              <a:t>generate</a:t>
+            </a:r>
+            <a:r>
+              <a:rPr lang="fr-FR" dirty="0"/>
+              <a:t> directive </a:t>
+            </a:r>
+            <a:r>
+              <a:rPr lang="fr-FR" dirty="0" err="1" smtClean="0"/>
+              <a:t>highlight</a:t>
+            </a:r>
+            <a:endParaRPr lang="fr-FR" dirty="0" smtClean="0"/>
+          </a:p>
+          <a:p>
+            <a:pPr lvl="1"/>
+            <a:endParaRPr lang="fr-FR" dirty="0" smtClean="0"/>
+          </a:p>
+          <a:p>
+            <a:pPr lvl="1"/>
+            <a:endParaRPr lang="fr-FR" dirty="0"/>
+          </a:p>
+        </p:txBody>
+      </p:sp>
+      <p:pic>
+        <p:nvPicPr>
+          <p:cNvPr id="4" name="Image 3"/>
+          <p:cNvPicPr>
+            <a:picLocks noChangeAspect="1"/>
+          </p:cNvPicPr>
+          <p:nvPr/>
+        </p:nvPicPr>
+        <p:blipFill>
+          <a:blip r:embed="rId2"/>
+          <a:stretch>
+            <a:fillRect/>
+          </a:stretch>
+        </p:blipFill>
+        <p:spPr>
+          <a:xfrm>
+            <a:off x="1187624" y="3284984"/>
+            <a:ext cx="6390736" cy="3962814"/>
+          </a:xfrm>
+          <a:prstGeom prst="rect">
+            <a:avLst/>
+          </a:prstGeom>
+        </p:spPr>
+      </p:pic>
+    </p:spTree>
+    <p:extLst>
+      <p:ext uri="{BB962C8B-B14F-4D97-AF65-F5344CB8AC3E}">
+        <p14:creationId xmlns:p14="http://schemas.microsoft.com/office/powerpoint/2010/main" val="4154879116"/>
+      </p:ext>
+    </p:extLst>
+  </p:cSld>
+  <p:clrMapOvr>
+    <a:masterClrMapping/>
+  </p:clrMapOvr>
+</p:sld>
+</file>
+
+<file path=ppt/slides/slide16.xml><?xml version="1.0" encoding="utf-8"?>
+<p:sld xmlns:a="http://schemas.openxmlformats.org/drawingml/2006/main" xmlns:r="http://schemas.openxmlformats.org/officeDocument/2006/relationships" xmlns:p="http://schemas.openxmlformats.org/presentationml/2006/main">
+  <p:cSld>
+    <p:spTree>
+      <p:nvGrpSpPr>
+        <p:cNvPr id="1" name=""/>
+        <p:cNvGrpSpPr/>
+        <p:nvPr/>
+      </p:nvGrpSpPr>
+      <p:grpSpPr>
+        <a:xfrm>
+          <a:off x="0" y="0"/>
+          <a:ext cx="0" cy="0"/>
+          <a:chOff x="0" y="0"/>
+          <a:chExt cx="0" cy="0"/>
+        </a:xfrm>
+      </p:grpSpPr>
+      <p:sp>
+        <p:nvSpPr>
+          <p:cNvPr id="2" name="Titre 1"/>
+          <p:cNvSpPr>
+            <a:spLocks noGrp="1"/>
+          </p:cNvSpPr>
+          <p:nvPr>
+            <p:ph type="title"/>
+          </p:nvPr>
+        </p:nvSpPr>
+        <p:spPr/>
+        <p:txBody>
+          <a:bodyPr/>
+          <a:lstStyle/>
+          <a:p>
+            <a:r>
+              <a:rPr lang="fr-FR" dirty="0" smtClean="0"/>
+              <a:t>Directive avec interaction</a:t>
+            </a:r>
+            <a:endParaRPr lang="fr-FR" dirty="0"/>
+          </a:p>
+        </p:txBody>
+      </p:sp>
+      <p:sp>
+        <p:nvSpPr>
+          <p:cNvPr id="3" name="Espace réservé du contenu 2"/>
+          <p:cNvSpPr>
+            <a:spLocks noGrp="1"/>
+          </p:cNvSpPr>
+          <p:nvPr>
+            <p:ph idx="1"/>
+          </p:nvPr>
+        </p:nvSpPr>
+        <p:spPr/>
+        <p:txBody>
+          <a:bodyPr/>
+          <a:lstStyle/>
+          <a:p>
+            <a:endParaRPr lang="fr-FR"/>
+          </a:p>
+        </p:txBody>
+      </p:sp>
+      <p:pic>
+        <p:nvPicPr>
+          <p:cNvPr id="4" name="Image 3"/>
+          <p:cNvPicPr>
+            <a:picLocks noChangeAspect="1"/>
+          </p:cNvPicPr>
+          <p:nvPr/>
+        </p:nvPicPr>
+        <p:blipFill>
+          <a:blip r:embed="rId2"/>
+          <a:stretch>
+            <a:fillRect/>
+          </a:stretch>
+        </p:blipFill>
+        <p:spPr>
+          <a:xfrm>
+            <a:off x="971600" y="908719"/>
+            <a:ext cx="6768752" cy="6001627"/>
+          </a:xfrm>
+          <a:prstGeom prst="rect">
+            <a:avLst/>
+          </a:prstGeom>
+        </p:spPr>
+      </p:pic>
+    </p:spTree>
+    <p:extLst>
+      <p:ext uri="{BB962C8B-B14F-4D97-AF65-F5344CB8AC3E}">
+        <p14:creationId xmlns:p14="http://schemas.microsoft.com/office/powerpoint/2010/main" val="4027374426"/>
+      </p:ext>
+    </p:extLst>
+  </p:cSld>
+  <p:clrMapOvr>
+    <a:masterClrMapping/>
+  </p:clrMapOvr>
+</p:sld>
+</file>
+
+<file path=ppt/slides/slide17.xml><?xml version="1.0" encoding="utf-8"?>
+<p:sld xmlns:a="http://schemas.openxmlformats.org/drawingml/2006/main" xmlns:r="http://schemas.openxmlformats.org/officeDocument/2006/relationships" xmlns:p="http://schemas.openxmlformats.org/presentationml/2006/main">
+  <p:cSld>
+    <p:spTree>
+      <p:nvGrpSpPr>
+        <p:cNvPr id="1" name=""/>
+        <p:cNvGrpSpPr/>
+        <p:nvPr/>
+      </p:nvGrpSpPr>
+      <p:grpSpPr>
+        <a:xfrm>
+          <a:off x="0" y="0"/>
+          <a:ext cx="0" cy="0"/>
+          <a:chOff x="0" y="0"/>
+          <a:chExt cx="0" cy="0"/>
+        </a:xfrm>
+      </p:grpSpPr>
+      <p:sp>
+        <p:nvSpPr>
+          <p:cNvPr id="2" name="Titre 1"/>
+          <p:cNvSpPr>
+            <a:spLocks noGrp="1"/>
+          </p:cNvSpPr>
+          <p:nvPr>
+            <p:ph type="title"/>
+          </p:nvPr>
+        </p:nvSpPr>
+        <p:spPr/>
+        <p:txBody>
+          <a:bodyPr/>
+          <a:lstStyle/>
+          <a:p>
+            <a:r>
+              <a:rPr lang="fr-FR" dirty="0" smtClean="0"/>
+              <a:t>Directives structurelles</a:t>
+            </a:r>
+            <a:endParaRPr lang="fr-FR" dirty="0"/>
+          </a:p>
+        </p:txBody>
+      </p:sp>
+      <p:sp>
+        <p:nvSpPr>
+          <p:cNvPr id="3" name="Espace réservé du contenu 2"/>
+          <p:cNvSpPr>
+            <a:spLocks noGrp="1"/>
+          </p:cNvSpPr>
+          <p:nvPr>
+            <p:ph idx="1"/>
+          </p:nvPr>
+        </p:nvSpPr>
+        <p:spPr/>
+        <p:txBody>
+          <a:bodyPr/>
+          <a:lstStyle/>
+          <a:p>
+            <a:r>
+              <a:rPr lang="fr-FR" dirty="0" smtClean="0"/>
+              <a:t>Les directives structurelles sont préfixées par *</a:t>
+            </a:r>
+          </a:p>
+          <a:p>
+            <a:pPr lvl="1"/>
+            <a:r>
+              <a:rPr lang="fr-FR" dirty="0" smtClean="0"/>
+              <a:t>Signifie qu'elle modifie le DOM</a:t>
+            </a:r>
+            <a:endParaRPr lang="fr-FR" dirty="0"/>
+          </a:p>
+        </p:txBody>
+      </p:sp>
+    </p:spTree>
+    <p:extLst>
+      <p:ext uri="{BB962C8B-B14F-4D97-AF65-F5344CB8AC3E}">
+        <p14:creationId xmlns:p14="http://schemas.microsoft.com/office/powerpoint/2010/main" val="4219665326"/>
+      </p:ext>
+    </p:extLst>
+  </p:cSld>
+  <p:clrMapOvr>
+    <a:masterClrMapping/>
+  </p:clrMapOvr>
+</p:sld>
+</file>
+
 <file path=ppt/slides/slide2.xml><?xml version="1.0" encoding="utf-8"?>
 <p:sld xmlns:a="http://schemas.openxmlformats.org/drawingml/2006/main" xmlns:r="http://schemas.openxmlformats.org/officeDocument/2006/relationships" xmlns:p="http://schemas.openxmlformats.org/presentationml/2006/main">
   <p:cSld>
@@ -4042,6 +5270,13 @@
   <p:clrMapOvr>
     <a:masterClrMapping/>
   </p:clrMapOvr>
+  <p:timing>
+    <p:tnLst>
+      <p:par>
+        <p:cTn id="1" dur="indefinite" restart="never" nodeType="tmRoot"/>
+      </p:par>
+    </p:tnLst>
+  </p:timing>
 </p:sld>
 </file>
 
@@ -4187,6 +5422,13 @@
   <p:clrMapOvr>
     <a:masterClrMapping/>
   </p:clrMapOvr>
+  <p:timing>
+    <p:tnLst>
+      <p:par>
+        <p:cTn id="1" dur="indefinite" restart="never" nodeType="tmRoot"/>
+      </p:par>
+    </p:tnLst>
+  </p:timing>
 </p:sld>
 </file>
 
@@ -4302,13 +5544,8 @@
             </a:r>
             <a:r>
               <a:rPr lang="fr-FR" dirty="0" smtClean="0"/>
-              <a:t> est la collection du </a:t>
-            </a:r>
-            <a:r>
-              <a:rPr lang="fr-FR" dirty="0" err="1" smtClean="0"/>
-              <a:t>omposant</a:t>
-            </a:r>
-            <a:endParaRPr lang="fr-FR" dirty="0" smtClean="0"/>
+              <a:t> est la collection du composant</a:t>
+            </a:r>
           </a:p>
           <a:p>
             <a:pPr lvl="1"/>
@@ -4388,6 +5625,13 @@
   <p:clrMapOvr>
     <a:masterClrMapping/>
   </p:clrMapOvr>
+  <p:timing>
+    <p:tnLst>
+      <p:par>
+        <p:cTn id="1" dur="indefinite" restart="never" nodeType="tmRoot"/>
+      </p:par>
+    </p:tnLst>
+  </p:timing>
 </p:sld>
 </file>
 
@@ -4592,6 +5836,13 @@
   <p:clrMapOvr>
     <a:masterClrMapping/>
   </p:clrMapOvr>
+  <p:timing>
+    <p:tnLst>
+      <p:par>
+        <p:cTn id="1" dur="indefinite" restart="never" nodeType="tmRoot"/>
+      </p:par>
+    </p:tnLst>
+  </p:timing>
 </p:sld>
 </file>
 
@@ -4744,6 +5995,13 @@
   <p:clrMapOvr>
     <a:masterClrMapping/>
   </p:clrMapOvr>
+  <p:timing>
+    <p:tnLst>
+      <p:par>
+        <p:cTn id="1" dur="indefinite" restart="never" nodeType="tmRoot"/>
+      </p:par>
+    </p:tnLst>
+  </p:timing>
 </p:sld>
 </file>
 
@@ -4780,130 +6038,41 @@
           <a:lstStyle/>
           <a:p>
             <a:r>
-              <a:rPr lang="fr-FR" dirty="0" smtClean="0"/>
-              <a:t>Paramètre de directive click</a:t>
+              <a:rPr lang="fr-FR" dirty="0" err="1" smtClean="0"/>
+              <a:t>ngSwitch</a:t>
             </a:r>
             <a:endParaRPr lang="fr-FR" dirty="0"/>
           </a:p>
         </p:txBody>
       </p:sp>
-      <p:sp>
-        <p:nvSpPr>
-          <p:cNvPr id="3" name="Espace réservé du contenu 2"/>
-          <p:cNvSpPr>
-            <a:spLocks noGrp="1"/>
-          </p:cNvSpPr>
-          <p:nvPr>
-            <p:ph idx="1"/>
-          </p:nvPr>
-        </p:nvSpPr>
-        <p:spPr/>
-        <p:txBody>
-          <a:bodyPr/>
-          <a:lstStyle/>
-          <a:p>
-            <a:r>
-              <a:rPr lang="fr-FR" dirty="0" smtClean="0"/>
-              <a:t>(click) est un évènement de directive</a:t>
-            </a:r>
-          </a:p>
-          <a:p>
-            <a:r>
-              <a:rPr lang="fr-FR" dirty="0" smtClean="0"/>
-              <a:t>Syntaxe</a:t>
-            </a:r>
-          </a:p>
-          <a:p>
-            <a:pPr marL="457200" lvl="1" indent="0">
-              <a:buNone/>
-            </a:pPr>
-            <a:r>
-              <a:rPr lang="fr-FR" dirty="0"/>
-              <a:t>&lt;li *</a:t>
-            </a:r>
-            <a:r>
-              <a:rPr lang="fr-FR" dirty="0" err="1"/>
-              <a:t>ngFor</a:t>
-            </a:r>
-            <a:r>
-              <a:rPr lang="fr-FR" dirty="0" smtClean="0"/>
-              <a:t>="condition" (click)="</a:t>
-            </a:r>
-            <a:r>
-              <a:rPr lang="fr-FR" dirty="0" err="1" smtClean="0"/>
-              <a:t>method</a:t>
-            </a:r>
-            <a:r>
-              <a:rPr lang="fr-FR" dirty="0" smtClean="0"/>
-              <a:t>"&gt;</a:t>
-            </a:r>
-          </a:p>
-          <a:p>
-            <a:pPr lvl="1"/>
-            <a:r>
-              <a:rPr lang="fr-FR" dirty="0" smtClean="0"/>
-              <a:t>() signifie </a:t>
-            </a:r>
-            <a:r>
-              <a:rPr lang="fr-FR" dirty="0" err="1" smtClean="0"/>
-              <a:t>évennement</a:t>
-            </a:r>
-            <a:endParaRPr lang="fr-FR" dirty="0" smtClean="0"/>
-          </a:p>
-          <a:p>
-            <a:pPr lvl="1"/>
-            <a:r>
-              <a:rPr lang="fr-FR" dirty="0"/>
-              <a:t>c</a:t>
-            </a:r>
-            <a:r>
-              <a:rPr lang="fr-FR" dirty="0" smtClean="0"/>
-              <a:t>lick signifie </a:t>
-            </a:r>
-            <a:r>
-              <a:rPr lang="fr-FR" dirty="0" err="1" smtClean="0"/>
-              <a:t>onClick</a:t>
-            </a:r>
-            <a:endParaRPr lang="fr-FR" dirty="0" smtClean="0"/>
-          </a:p>
-          <a:p>
-            <a:pPr lvl="1"/>
-            <a:r>
-              <a:rPr lang="fr-FR" dirty="0" smtClean="0"/>
-              <a:t>(click) appel </a:t>
-            </a:r>
-            <a:r>
-              <a:rPr lang="fr-FR" dirty="0" err="1" smtClean="0"/>
-              <a:t>method</a:t>
-            </a:r>
-            <a:r>
-              <a:rPr lang="fr-FR" dirty="0"/>
-              <a:t> </a:t>
-            </a:r>
-            <a:r>
-              <a:rPr lang="fr-FR" dirty="0" smtClean="0"/>
-              <a:t>qui est une méthode du composant</a:t>
-            </a:r>
-          </a:p>
-          <a:p>
-            <a:pPr lvl="1"/>
-            <a:r>
-              <a:rPr lang="fr-FR" dirty="0" smtClean="0"/>
-              <a:t>Un passage de paramètre est possible</a:t>
-            </a:r>
-          </a:p>
-          <a:p>
-            <a:pPr marL="457200" lvl="1" indent="0">
-              <a:buNone/>
-            </a:pPr>
-            <a:endParaRPr lang="fr-FR" dirty="0"/>
-          </a:p>
-        </p:txBody>
-      </p:sp>
+      <p:pic>
+        <p:nvPicPr>
+          <p:cNvPr id="4" name="Image 3"/>
+          <p:cNvPicPr>
+            <a:picLocks noChangeAspect="1"/>
+          </p:cNvPicPr>
+          <p:nvPr/>
+        </p:nvPicPr>
+        <p:blipFill>
+          <a:blip r:embed="rId2"/>
+          <a:stretch>
+            <a:fillRect/>
+          </a:stretch>
+        </p:blipFill>
+        <p:spPr>
+          <a:xfrm>
+            <a:off x="899592" y="2636912"/>
+            <a:ext cx="7940608" cy="1656184"/>
+          </a:xfrm>
+          <a:prstGeom prst="rect">
+            <a:avLst/>
+          </a:prstGeom>
+        </p:spPr>
+      </p:pic>
     </p:spTree>
     <p:extLst>
       <p:ext uri="{BB962C8B-B14F-4D97-AF65-F5344CB8AC3E}">
-        <p14:creationId xmlns:p14="http://schemas.microsoft.com/office/powerpoint/2010/main" val="1501919375"/>
+        <p14:creationId xmlns:p14="http://schemas.microsoft.com/office/powerpoint/2010/main" val="944139827"/>
       </p:ext>
     </p:extLst>
   </p:cSld>
@@ -4947,7 +6116,7 @@
           <a:p>
             <a:r>
               <a:rPr lang="fr-FR" dirty="0" smtClean="0"/>
-              <a:t>Ajout d’une méthode dans le composant</a:t>
+              <a:t>?.</a:t>
             </a:r>
             <a:endParaRPr lang="fr-FR" dirty="0"/>
           </a:p>
@@ -4970,96 +6139,55 @@
           <a:p>
             <a:r>
               <a:rPr lang="fr-FR" dirty="0" smtClean="0"/>
-              <a:t>Les composants peuvent recevoir des méthodes qui seront vu par le HTML</a:t>
-            </a:r>
-          </a:p>
-          <a:p>
-            <a:endParaRPr lang="fr-FR" dirty="0"/>
-          </a:p>
-          <a:p>
+              <a:t>?. est l'opérateur </a:t>
+            </a:r>
+            <a:r>
+              <a:rPr lang="fr-FR" dirty="0" err="1" smtClean="0"/>
+              <a:t>safe</a:t>
+            </a:r>
             <a:endParaRPr lang="fr-FR" dirty="0" smtClean="0"/>
           </a:p>
           <a:p>
-            <a:endParaRPr lang="fr-FR" dirty="0"/>
-          </a:p>
-          <a:p>
-            <a:r>
-              <a:rPr lang="fr-FR" dirty="0" smtClean="0"/>
-              <a:t>Appel de la méthode</a:t>
-            </a:r>
-          </a:p>
-          <a:p>
-            <a:pPr marL="400050" lvl="1" indent="0">
-              <a:buNone/>
-            </a:pPr>
-            <a:r>
-              <a:rPr lang="en-US" dirty="0"/>
-              <a:t>&lt;li *</a:t>
-            </a:r>
-            <a:r>
-              <a:rPr lang="en-US" dirty="0" err="1"/>
-              <a:t>ngFor</a:t>
-            </a:r>
-            <a:r>
-              <a:rPr lang="en-US" dirty="0"/>
-              <a:t>="let hero of heroes"</a:t>
-            </a:r>
-          </a:p>
-          <a:p>
-            <a:pPr marL="400050" lvl="1" indent="0">
-              <a:buNone/>
-            </a:pPr>
-            <a:r>
-              <a:rPr lang="en-US" dirty="0" smtClean="0"/>
-              <a:t>  </a:t>
-            </a:r>
-            <a:r>
-              <a:rPr lang="en-US" dirty="0"/>
-              <a:t>(click)="</a:t>
-            </a:r>
-            <a:r>
-              <a:rPr lang="en-US" dirty="0" err="1"/>
-              <a:t>onSelect</a:t>
-            </a:r>
-            <a:r>
-              <a:rPr lang="en-US" dirty="0"/>
-              <a:t>(hero)"&gt;</a:t>
+            <a:pPr lvl="1"/>
+            <a:r>
+              <a:rPr lang="fr-FR" dirty="0" smtClean="0"/>
+              <a:t>En effet si </a:t>
+            </a:r>
+            <a:r>
+              <a:rPr lang="fr-FR" dirty="0" err="1" smtClean="0"/>
+              <a:t>hero</a:t>
+            </a:r>
+            <a:r>
+              <a:rPr lang="fr-FR" dirty="0" smtClean="0"/>
+              <a:t> = </a:t>
+            </a:r>
+            <a:r>
+              <a:rPr lang="fr-FR" dirty="0" err="1" smtClean="0"/>
+              <a:t>null</a:t>
             </a:r>
             <a:endParaRPr lang="fr-FR" dirty="0" smtClean="0"/>
           </a:p>
           <a:p>
+            <a:pPr lvl="1"/>
+            <a:r>
+              <a:rPr lang="fr-FR" dirty="0" smtClean="0"/>
+              <a:t>{{hero.name}} génère une erreur</a:t>
+            </a:r>
+          </a:p>
+          <a:p>
+            <a:pPr lvl="1"/>
+            <a:r>
+              <a:rPr lang="fr-FR" dirty="0" smtClean="0"/>
+              <a:t>{{hero?.name}} affiche un blanc</a:t>
+            </a:r>
             <a:endParaRPr lang="fr-FR" dirty="0"/>
           </a:p>
         </p:txBody>
       </p:sp>
-      <p:pic>
-        <p:nvPicPr>
-          <p:cNvPr id="4" name="Image 3"/>
-          <p:cNvPicPr>
-            <a:picLocks noChangeAspect="1"/>
-          </p:cNvPicPr>
-          <p:nvPr/>
-        </p:nvPicPr>
-        <p:blipFill>
-          <a:blip r:embed="rId2"/>
-          <a:stretch>
-            <a:fillRect/>
-          </a:stretch>
-        </p:blipFill>
-        <p:spPr>
-          <a:xfrm>
-            <a:off x="2483768" y="2420888"/>
-            <a:ext cx="3472089" cy="1086792"/>
-          </a:xfrm>
-          <a:prstGeom prst="rect">
-            <a:avLst/>
-          </a:prstGeom>
-        </p:spPr>
-      </p:pic>
     </p:spTree>
     <p:extLst>
       <p:ext uri="{BB962C8B-B14F-4D97-AF65-F5344CB8AC3E}">
-        <p14:creationId xmlns:p14="http://schemas.microsoft.com/office/powerpoint/2010/main" val="3081998660"/>
+        <p14:creationId xmlns:p14="http://schemas.microsoft.com/office/powerpoint/2010/main" val="721190198"/>
       </p:ext>
     </p:extLst>
   </p:cSld>
@@ -5103,7 +6231,7 @@
           <a:p>
             <a:r>
               <a:rPr lang="fr-FR" dirty="0" smtClean="0"/>
-              <a:t>CSS</a:t>
+              <a:t>!</a:t>
             </a:r>
             <a:endParaRPr lang="fr-FR" dirty="0"/>
           </a:p>
@@ -5126,106 +6254,49 @@
           <a:p>
             <a:r>
               <a:rPr lang="fr-FR" dirty="0" smtClean="0"/>
-              <a:t>Gestion des sélection</a:t>
-            </a:r>
+              <a:t>Not </a:t>
+            </a:r>
+            <a:r>
+              <a:rPr lang="fr-FR" dirty="0" err="1" smtClean="0"/>
+              <a:t>null</a:t>
+            </a:r>
+            <a:r>
+              <a:rPr lang="fr-FR" dirty="0" smtClean="0"/>
+              <a:t> </a:t>
+            </a:r>
+            <a:r>
+              <a:rPr lang="fr-FR" dirty="0" err="1" smtClean="0"/>
+              <a:t>opérator</a:t>
+            </a:r>
+            <a:endParaRPr lang="fr-FR" dirty="0" smtClean="0"/>
           </a:p>
           <a:p>
             <a:pPr lvl="1"/>
             <a:r>
               <a:rPr lang="fr-FR" dirty="0" smtClean="0"/>
-              <a:t>Il suffit de gérer la classe .</a:t>
-            </a:r>
+              <a:t>! vérifie que la variable n'est jamais nulle</a:t>
+            </a:r>
+          </a:p>
+          <a:p>
+            <a:pPr lvl="1"/>
             <a:r>
               <a:rPr lang="fr-FR" dirty="0" err="1" smtClean="0"/>
-              <a:t>selected</a:t>
-            </a:r>
-            <a:endParaRPr lang="fr-FR" dirty="0" smtClean="0"/>
+              <a:t>hero</a:t>
+            </a:r>
+            <a:r>
+              <a:rPr lang="fr-FR" dirty="0" smtClean="0"/>
+              <a:t>!</a:t>
+            </a:r>
           </a:p>
           <a:p>
             <a:pPr lvl="1"/>
             <a:r>
-              <a:rPr lang="fr-FR" dirty="0" smtClean="0"/>
-              <a:t>Il faut alors ajouter dans le code le </a:t>
-            </a:r>
-            <a:r>
-              <a:rPr lang="fr-FR" dirty="0" err="1" smtClean="0"/>
-              <a:t>chagement</a:t>
-            </a:r>
-            <a:r>
-              <a:rPr lang="fr-FR" dirty="0" smtClean="0"/>
-              <a:t> de classe CSS</a:t>
-            </a:r>
-          </a:p>
-          <a:p>
-            <a:pPr lvl="1"/>
-            <a:r>
-              <a:rPr lang="fr-FR" dirty="0" smtClean="0"/>
-              <a:t>Gestion des CSS par [ ]</a:t>
-            </a:r>
-          </a:p>
-          <a:p>
-            <a:r>
-              <a:rPr lang="fr-FR" dirty="0" smtClean="0"/>
-              <a:t>Exemple</a:t>
-            </a:r>
-          </a:p>
-          <a:p>
-            <a:pPr marL="457200" lvl="1" indent="0">
-              <a:buNone/>
-            </a:pPr>
-            <a:r>
-              <a:rPr lang="en-US" dirty="0"/>
-              <a:t>&lt;li *</a:t>
-            </a:r>
-            <a:r>
-              <a:rPr lang="en-US" dirty="0" err="1"/>
-              <a:t>ngFor</a:t>
-            </a:r>
-            <a:r>
-              <a:rPr lang="en-US" dirty="0"/>
-              <a:t>="let hero of heroes"</a:t>
-            </a:r>
-          </a:p>
-          <a:p>
-            <a:pPr marL="457200" lvl="1" indent="0">
-              <a:buNone/>
-            </a:pPr>
-            <a:r>
-              <a:rPr lang="en-US" dirty="0"/>
-              <a:t>  [</a:t>
-            </a:r>
-            <a:r>
-              <a:rPr lang="en-US" dirty="0" err="1"/>
-              <a:t>class.selected</a:t>
-            </a:r>
-            <a:r>
-              <a:rPr lang="en-US" dirty="0"/>
-              <a:t>]="hero === </a:t>
-            </a:r>
-            <a:r>
-              <a:rPr lang="en-US" dirty="0" err="1"/>
-              <a:t>selectedHero</a:t>
-            </a:r>
-            <a:r>
-              <a:rPr lang="en-US" dirty="0"/>
-              <a:t>"</a:t>
-            </a:r>
-          </a:p>
-          <a:p>
-            <a:pPr marL="457200" lvl="1" indent="0">
-              <a:buNone/>
-            </a:pPr>
-            <a:r>
-              <a:rPr lang="en-US" dirty="0"/>
-              <a:t>  (click)="</a:t>
-            </a:r>
-            <a:r>
-              <a:rPr lang="en-US" dirty="0" err="1"/>
-              <a:t>onSelect</a:t>
-            </a:r>
-            <a:r>
-              <a:rPr lang="en-US" dirty="0"/>
-              <a:t>(hero)"&gt;</a:t>
+              <a:rPr lang="fr-FR" smtClean="0"/>
+              <a:t>génère </a:t>
+            </a:r>
+            <a:r>
+              <a:rPr lang="fr-FR" dirty="0" smtClean="0"/>
+              <a:t>une erreur sinon</a:t>
             </a:r>
             <a:endParaRPr lang="fr-FR" dirty="0"/>
           </a:p>
@@ -5234,7 +6305,7 @@
     </p:spTree>
     <p:extLst>
       <p:ext uri="{BB962C8B-B14F-4D97-AF65-F5344CB8AC3E}">
-        <p14:creationId xmlns:p14="http://schemas.microsoft.com/office/powerpoint/2010/main" val="3815208624"/>
+        <p14:creationId xmlns:p14="http://schemas.microsoft.com/office/powerpoint/2010/main" val="137449047"/>
       </p:ext>
     </p:extLst>
   </p:cSld>
